--- a/01 - Documents and Preparation/LOB Data Management.pptx
+++ b/01 - Documents and Preparation/LOB Data Management.pptx
@@ -820,7 +820,7 @@
   <pc:docChgLst>
     <pc:chgData name="Uwe Ricken" userId="f02567aecbed924b" providerId="LiveId" clId="{C2FFDB96-A7AD-4377-A55C-4F357598D20E}"/>
     <pc:docChg chg="undo custSel addSld delSld modSld sldOrd delMainMaster">
-      <pc:chgData name="Uwe Ricken" userId="f02567aecbed924b" providerId="LiveId" clId="{C2FFDB96-A7AD-4377-A55C-4F357598D20E}" dt="2025-04-02T15:12:11.427" v="735"/>
+      <pc:chgData name="Uwe Ricken" userId="f02567aecbed924b" providerId="LiveId" clId="{C2FFDB96-A7AD-4377-A55C-4F357598D20E}" dt="2025-04-04T08:52:33.983" v="736" actId="207"/>
       <pc:docMkLst>
         <pc:docMk/>
       </pc:docMkLst>
@@ -975,7 +975,7 @@
         </pc:spChg>
       </pc:sldChg>
       <pc:sldChg chg="addSp delSp modSp new mod modClrScheme modAnim chgLayout">
-        <pc:chgData name="Uwe Ricken" userId="f02567aecbed924b" providerId="LiveId" clId="{C2FFDB96-A7AD-4377-A55C-4F357598D20E}" dt="2025-04-02T14:36:43.410" v="595" actId="20577"/>
+        <pc:chgData name="Uwe Ricken" userId="f02567aecbed924b" providerId="LiveId" clId="{C2FFDB96-A7AD-4377-A55C-4F357598D20E}" dt="2025-04-04T08:52:33.983" v="736" actId="207"/>
         <pc:sldMkLst>
           <pc:docMk/>
           <pc:sldMk cId="914451899" sldId="402"/>
@@ -986,22 +986,6 @@
             <pc:docMk/>
             <pc:sldMk cId="914451899" sldId="402"/>
             <ac:spMk id="2" creationId="{1A62B3A3-C136-9D98-9090-0E9304CEF4B5}"/>
-          </ac:spMkLst>
-        </pc:spChg>
-        <pc:spChg chg="del">
-          <ac:chgData name="Uwe Ricken" userId="f02567aecbed924b" providerId="LiveId" clId="{C2FFDB96-A7AD-4377-A55C-4F357598D20E}" dt="2025-04-02T13:15:53.758" v="91" actId="700"/>
-          <ac:spMkLst>
-            <pc:docMk/>
-            <pc:sldMk cId="914451899" sldId="402"/>
-            <ac:spMk id="3" creationId="{DAA3A5DA-BE24-B8AD-E76A-BC0F87C69D84}"/>
-          </ac:spMkLst>
-        </pc:spChg>
-        <pc:spChg chg="add del mod">
-          <ac:chgData name="Uwe Ricken" userId="f02567aecbed924b" providerId="LiveId" clId="{C2FFDB96-A7AD-4377-A55C-4F357598D20E}" dt="2025-04-02T13:46:37.733" v="158" actId="478"/>
-          <ac:spMkLst>
-            <pc:docMk/>
-            <pc:sldMk cId="914451899" sldId="402"/>
-            <ac:spMk id="4" creationId="{74ADC00B-228E-4187-87A8-58086B37C195}"/>
           </ac:spMkLst>
         </pc:spChg>
         <pc:spChg chg="add mod">
@@ -1045,7 +1029,7 @@
           </ac:graphicFrameMkLst>
         </pc:graphicFrameChg>
         <pc:graphicFrameChg chg="add mod modGraphic">
-          <ac:chgData name="Uwe Ricken" userId="f02567aecbed924b" providerId="LiveId" clId="{C2FFDB96-A7AD-4377-A55C-4F357598D20E}" dt="2025-04-02T14:26:20.770" v="453" actId="20577"/>
+          <ac:chgData name="Uwe Ricken" userId="f02567aecbed924b" providerId="LiveId" clId="{C2FFDB96-A7AD-4377-A55C-4F357598D20E}" dt="2025-04-04T08:52:33.983" v="736" actId="207"/>
           <ac:graphicFrameMkLst>
             <pc:docMk/>
             <pc:sldMk cId="914451899" sldId="402"/>
@@ -1091,14 +1075,6 @@
             <ac:spMk id="9" creationId="{B2B2DB06-1DE5-4BEB-6896-CF75119EA6AF}"/>
           </ac:spMkLst>
         </pc:spChg>
-        <pc:spChg chg="del">
-          <ac:chgData name="Uwe Ricken" userId="f02567aecbed924b" providerId="LiveId" clId="{C2FFDB96-A7AD-4377-A55C-4F357598D20E}" dt="2025-04-02T14:56:46.152" v="599" actId="478"/>
-          <ac:spMkLst>
-            <pc:docMk/>
-            <pc:sldMk cId="3261700946" sldId="403"/>
-            <ac:spMk id="11" creationId="{A37CA392-98A9-D14B-486E-2103529ED2B3}"/>
-          </ac:spMkLst>
-        </pc:spChg>
         <pc:graphicFrameChg chg="add mod modGraphic">
           <ac:chgData name="Uwe Ricken" userId="f02567aecbed924b" providerId="LiveId" clId="{C2FFDB96-A7AD-4377-A55C-4F357598D20E}" dt="2025-04-02T15:04:48.541" v="703" actId="20577"/>
           <ac:graphicFrameMkLst>
@@ -1113,22 +1089,6 @@
             <pc:docMk/>
             <pc:sldMk cId="3261700946" sldId="403"/>
             <ac:graphicFrameMk id="4" creationId="{EDB5AC58-F4AA-DE36-5D16-E6992CBD1411}"/>
-          </ac:graphicFrameMkLst>
-        </pc:graphicFrameChg>
-        <pc:graphicFrameChg chg="del">
-          <ac:chgData name="Uwe Ricken" userId="f02567aecbed924b" providerId="LiveId" clId="{C2FFDB96-A7AD-4377-A55C-4F357598D20E}" dt="2025-04-02T14:58:28.919" v="622" actId="478"/>
-          <ac:graphicFrameMkLst>
-            <pc:docMk/>
-            <pc:sldMk cId="3261700946" sldId="403"/>
-            <ac:graphicFrameMk id="8" creationId="{1DFED355-2262-241D-5063-8A778181B27F}"/>
-          </ac:graphicFrameMkLst>
-        </pc:graphicFrameChg>
-        <pc:graphicFrameChg chg="del mod">
-          <ac:chgData name="Uwe Ricken" userId="f02567aecbed924b" providerId="LiveId" clId="{C2FFDB96-A7AD-4377-A55C-4F357598D20E}" dt="2025-04-02T14:56:52.901" v="601" actId="478"/>
-          <ac:graphicFrameMkLst>
-            <pc:docMk/>
-            <pc:sldMk cId="3261700946" sldId="403"/>
-            <ac:graphicFrameMk id="10" creationId="{A2C8FA51-3A8D-5CA4-4D49-FDCAEF14817B}"/>
           </ac:graphicFrameMkLst>
         </pc:graphicFrameChg>
         <pc:cxnChg chg="add mod">
@@ -1648,7 +1608,7 @@
           <a:p>
             <a:fld id="{4CC5198A-0F83-4F97-B1F0-7200671BC52D}" type="datetimeFigureOut">
               <a:rPr lang="de-DE" smtClean="0"/>
-              <a:t>01.04.2025</a:t>
+              <a:t>04.04.2025</a:t>
             </a:fld>
             <a:endParaRPr lang="de-DE"/>
           </a:p>
@@ -19724,7 +19684,7 @@
           <p:nvPr>
             <p:extLst>
               <p:ext uri="{D42A27DB-BD31-4B8C-83A1-F6EECF244321}">
-                <p14:modId xmlns:p14="http://schemas.microsoft.com/office/powerpoint/2010/main" val="4257377321"/>
+                <p14:modId xmlns:p14="http://schemas.microsoft.com/office/powerpoint/2010/main" val="1980620936"/>
               </p:ext>
             </p:extLst>
           </p:nvPr>
@@ -19884,7 +19844,11 @@
                     <a:lstStyle/>
                     <a:p>
                       <a:r>
-                        <a:rPr lang="en-US" sz="800" b="1" dirty="0"/>
+                        <a:rPr lang="en-US" sz="800" b="1" dirty="0">
+                          <a:solidFill>
+                            <a:srgbClr val="FF0000"/>
+                          </a:solidFill>
+                        </a:rPr>
                         <a:t>Long Text</a:t>
                       </a:r>
                     </a:p>
@@ -22400,7 +22364,7 @@
       <p:bldP spid="6" grpId="0" animBg="1"/>
       <p:bldP spid="7" grpId="0"/>
       <p:bldP spid="9" grpId="0" animBg="1"/>
-      <p:bldP spid="11" grpId="0"/>
+      <p:bldP spid="11" grpId="0" animBg="1"/>
     </p:bldLst>
   </p:timing>
 </p:sld>

--- a/01 - Documents and Preparation/LOB Data Management.pptx
+++ b/01 - Documents and Preparation/LOB Data Management.pptx
@@ -150,7 +150,7 @@
 <file path=ppt/revisionInfo.xml><?xml version="1.0" encoding="utf-8"?>
 <p1510:revInfo xmlns:a="http://schemas.openxmlformats.org/drawingml/2006/main" xmlns:r="http://schemas.openxmlformats.org/officeDocument/2006/relationships" xmlns:p1510="http://schemas.microsoft.com/office/powerpoint/2015/10/main">
   <p1510:revLst>
-    <p1510:client id="{C2FFDB96-A7AD-4377-A55C-4F357598D20E}" v="142" dt="2025-04-02T15:06:32.901"/>
+    <p1510:client id="{C2FFDB96-A7AD-4377-A55C-4F357598D20E}" v="149" dt="2025-04-09T06:27:08.775"/>
   </p1510:revLst>
 </p1510:revInfo>
 </file>
@@ -820,7 +820,7 @@
   <pc:docChgLst>
     <pc:chgData name="Uwe Ricken" userId="f02567aecbed924b" providerId="LiveId" clId="{C2FFDB96-A7AD-4377-A55C-4F357598D20E}"/>
     <pc:docChg chg="undo custSel addSld delSld modSld sldOrd delMainMaster">
-      <pc:chgData name="Uwe Ricken" userId="f02567aecbed924b" providerId="LiveId" clId="{C2FFDB96-A7AD-4377-A55C-4F357598D20E}" dt="2025-04-04T08:52:33.983" v="736" actId="207"/>
+      <pc:chgData name="Uwe Ricken" userId="f02567aecbed924b" providerId="LiveId" clId="{C2FFDB96-A7AD-4377-A55C-4F357598D20E}" dt="2025-04-10T11:39:21.425" v="755" actId="20577"/>
       <pc:docMkLst>
         <pc:docMk/>
       </pc:docMkLst>
@@ -885,6 +885,21 @@
         </pc:spChg>
       </pc:sldChg>
       <pc:sldChg chg="modSp mod">
+        <pc:chgData name="Uwe Ricken" userId="f02567aecbed924b" providerId="LiveId" clId="{C2FFDB96-A7AD-4377-A55C-4F357598D20E}" dt="2025-04-10T11:39:21.425" v="755" actId="20577"/>
+        <pc:sldMkLst>
+          <pc:docMk/>
+          <pc:sldMk cId="128516524" sldId="307"/>
+        </pc:sldMkLst>
+        <pc:spChg chg="mod">
+          <ac:chgData name="Uwe Ricken" userId="f02567aecbed924b" providerId="LiveId" clId="{C2FFDB96-A7AD-4377-A55C-4F357598D20E}" dt="2025-04-10T11:39:21.425" v="755" actId="20577"/>
+          <ac:spMkLst>
+            <pc:docMk/>
+            <pc:sldMk cId="128516524" sldId="307"/>
+            <ac:spMk id="5" creationId="{E1EF2827-4ABA-2E1C-8E3F-F7380B593928}"/>
+          </ac:spMkLst>
+        </pc:spChg>
+      </pc:sldChg>
+      <pc:sldChg chg="modSp mod">
         <pc:chgData name="Uwe Ricken" userId="f02567aecbed924b" providerId="LiveId" clId="{C2FFDB96-A7AD-4377-A55C-4F357598D20E}" dt="2025-04-02T15:12:01.124" v="733" actId="20577"/>
         <pc:sldMkLst>
           <pc:docMk/>
@@ -905,6 +920,21 @@
           <pc:docMk/>
           <pc:sldMk cId="365916532" sldId="391"/>
         </pc:sldMkLst>
+      </pc:sldChg>
+      <pc:sldChg chg="modSp mod">
+        <pc:chgData name="Uwe Ricken" userId="f02567aecbed924b" providerId="LiveId" clId="{C2FFDB96-A7AD-4377-A55C-4F357598D20E}" dt="2025-04-09T06:27:11.459" v="753" actId="6549"/>
+        <pc:sldMkLst>
+          <pc:docMk/>
+          <pc:sldMk cId="216906354" sldId="392"/>
+        </pc:sldMkLst>
+        <pc:spChg chg="mod">
+          <ac:chgData name="Uwe Ricken" userId="f02567aecbed924b" providerId="LiveId" clId="{C2FFDB96-A7AD-4377-A55C-4F357598D20E}" dt="2025-04-09T06:27:11.459" v="753" actId="6549"/>
+          <ac:spMkLst>
+            <pc:docMk/>
+            <pc:sldMk cId="216906354" sldId="392"/>
+            <ac:spMk id="2" creationId="{C397CE24-1561-012C-8144-0FD46600A04F}"/>
+          </ac:spMkLst>
+        </pc:spChg>
       </pc:sldChg>
       <pc:sldChg chg="modSp mod">
         <pc:chgData name="Uwe Ricken" userId="f02567aecbed924b" providerId="LiveId" clId="{C2FFDB96-A7AD-4377-A55C-4F357598D20E}" dt="2025-04-01T11:11:28.569" v="45" actId="20577"/>
@@ -975,7 +1005,7 @@
         </pc:spChg>
       </pc:sldChg>
       <pc:sldChg chg="addSp delSp modSp new mod modClrScheme modAnim chgLayout">
-        <pc:chgData name="Uwe Ricken" userId="f02567aecbed924b" providerId="LiveId" clId="{C2FFDB96-A7AD-4377-A55C-4F357598D20E}" dt="2025-04-04T08:52:33.983" v="736" actId="207"/>
+        <pc:chgData name="Uwe Ricken" userId="f02567aecbed924b" providerId="LiveId" clId="{C2FFDB96-A7AD-4377-A55C-4F357598D20E}" dt="2025-04-09T06:23:55.703" v="741" actId="6549"/>
         <pc:sldMkLst>
           <pc:docMk/>
           <pc:sldMk cId="914451899" sldId="402"/>
@@ -1029,7 +1059,7 @@
           </ac:graphicFrameMkLst>
         </pc:graphicFrameChg>
         <pc:graphicFrameChg chg="add mod modGraphic">
-          <ac:chgData name="Uwe Ricken" userId="f02567aecbed924b" providerId="LiveId" clId="{C2FFDB96-A7AD-4377-A55C-4F357598D20E}" dt="2025-04-04T08:52:33.983" v="736" actId="207"/>
+          <ac:chgData name="Uwe Ricken" userId="f02567aecbed924b" providerId="LiveId" clId="{C2FFDB96-A7AD-4377-A55C-4F357598D20E}" dt="2025-04-09T06:23:45.021" v="740"/>
           <ac:graphicFrameMkLst>
             <pc:docMk/>
             <pc:sldMk cId="914451899" sldId="402"/>
@@ -1037,7 +1067,7 @@
           </ac:graphicFrameMkLst>
         </pc:graphicFrameChg>
         <pc:graphicFrameChg chg="add mod modGraphic">
-          <ac:chgData name="Uwe Ricken" userId="f02567aecbed924b" providerId="LiveId" clId="{C2FFDB96-A7AD-4377-A55C-4F357598D20E}" dt="2025-04-02T14:33:18.916" v="526" actId="1076"/>
+          <ac:chgData name="Uwe Ricken" userId="f02567aecbed924b" providerId="LiveId" clId="{C2FFDB96-A7AD-4377-A55C-4F357598D20E}" dt="2025-04-09T06:23:55.703" v="741" actId="6549"/>
           <ac:graphicFrameMkLst>
             <pc:docMk/>
             <pc:sldMk cId="914451899" sldId="402"/>
@@ -1046,7 +1076,7 @@
         </pc:graphicFrameChg>
       </pc:sldChg>
       <pc:sldChg chg="addSp delSp modSp add mod delAnim modAnim">
-        <pc:chgData name="Uwe Ricken" userId="f02567aecbed924b" providerId="LiveId" clId="{C2FFDB96-A7AD-4377-A55C-4F357598D20E}" dt="2025-04-02T15:06:32.901" v="710"/>
+        <pc:chgData name="Uwe Ricken" userId="f02567aecbed924b" providerId="LiveId" clId="{C2FFDB96-A7AD-4377-A55C-4F357598D20E}" dt="2025-04-09T06:24:51.707" v="745" actId="20577"/>
         <pc:sldMkLst>
           <pc:docMk/>
           <pc:sldMk cId="3261700946" sldId="403"/>
@@ -1060,7 +1090,7 @@
           </ac:spMkLst>
         </pc:spChg>
         <pc:spChg chg="mod">
-          <ac:chgData name="Uwe Ricken" userId="f02567aecbed924b" providerId="LiveId" clId="{C2FFDB96-A7AD-4377-A55C-4F357598D20E}" dt="2025-04-02T14:56:38.996" v="597" actId="20577"/>
+          <ac:chgData name="Uwe Ricken" userId="f02567aecbed924b" providerId="LiveId" clId="{C2FFDB96-A7AD-4377-A55C-4F357598D20E}" dt="2025-04-09T06:24:51.707" v="745" actId="20577"/>
           <ac:spMkLst>
             <pc:docMk/>
             <pc:sldMk cId="3261700946" sldId="403"/>
@@ -1608,7 +1638,7 @@
           <a:p>
             <a:fld id="{4CC5198A-0F83-4F97-B1F0-7200671BC52D}" type="datetimeFigureOut">
               <a:rPr lang="de-DE" smtClean="0"/>
-              <a:t>04.04.2025</a:t>
+              <a:t>10.04.2025</a:t>
             </a:fld>
             <a:endParaRPr lang="de-DE"/>
           </a:p>
@@ -5300,7 +5330,7 @@
                 </a:highlight>
                 <a:latin typeface="Cascadia Mono" panose="020B0609020000020004" pitchFamily="49" charset="0"/>
               </a:rPr>
-              <a:t>/* The text size is 9K */</a:t>
+              <a:t>/* The text size is 7.2 K */</a:t>
             </a:r>
           </a:p>
           <a:p>
@@ -11933,7 +11963,7 @@
             </a:r>
             <a:r>
               <a:rPr lang="de-DE" b="1"/>
-              <a:t>Pointer (24 </a:t>
+              <a:t>Pointer (16 </a:t>
             </a:r>
             <a:r>
               <a:rPr lang="de-DE" b="1" dirty="0"/>
@@ -14431,16 +14461,22 @@
               <a:buNone/>
             </a:pPr>
             <a:r>
-              <a:rPr lang="de-DE" b="1">
+              <a:rPr lang="de-DE" b="1" dirty="0">
                 <a:solidFill>
                   <a:srgbClr val="165364"/>
                 </a:solidFill>
                 <a:latin typeface="verdana" panose="020B0604030504040204" pitchFamily="34" charset="0"/>
                 <a:hlinkClick r:id="rId3"/>
               </a:rPr>
-              <a:t>https://t1p.de/LOBManagement</a:t>
-            </a:r>
-            <a:endParaRPr lang="de-DE" dirty="0"/>
+              <a:t>https://github.com/db-berater/handling-lob-data</a:t>
+            </a:r>
+            <a:endParaRPr lang="de-DE" b="1" i="0" u="none" strike="noStrike" dirty="0">
+              <a:solidFill>
+                <a:srgbClr val="165364"/>
+              </a:solidFill>
+              <a:effectLst/>
+              <a:latin typeface="verdana" panose="020B0604030504040204" pitchFamily="34" charset="0"/>
+            </a:endParaRPr>
           </a:p>
         </p:txBody>
       </p:sp>
@@ -18049,21 +18085,12 @@
                   <a:srgbClr val="FF0000"/>
                 </a:solidFill>
               </a:rPr>
-              <a:t>doesn’t </a:t>
-            </a:r>
-            <a:r>
-              <a:rPr lang="en-US">
-                <a:solidFill>
-                  <a:srgbClr val="FF0000"/>
-                </a:solidFill>
-              </a:rPr>
-              <a:t>matter</a:t>
-            </a:r>
-            <a:r>
-              <a:rPr lang="en-US"/>
+              <a:t>doesn’t matter</a:t>
+            </a:r>
+            <a:r>
+              <a:rPr lang="en-US" dirty="0"/>
               <a:t>.</a:t>
             </a:r>
-            <a:endParaRPr lang="en-US" dirty="0"/>
           </a:p>
           <a:p>
             <a:pPr lvl="1"/>
@@ -19684,7 +19711,7 @@
           <p:nvPr>
             <p:extLst>
               <p:ext uri="{D42A27DB-BD31-4B8C-83A1-F6EECF244321}">
-                <p14:modId xmlns:p14="http://schemas.microsoft.com/office/powerpoint/2010/main" val="1980620936"/>
+                <p14:modId xmlns:p14="http://schemas.microsoft.com/office/powerpoint/2010/main" val="3324134763"/>
               </p:ext>
             </p:extLst>
           </p:nvPr>
@@ -19803,74 +19830,8 @@
                     <a:p>
                       <a:pPr algn="ctr"/>
                       <a:r>
-                        <a:rPr lang="en-US" sz="800" b="1" dirty="0"/>
-                        <a:t>1</a:t>
-                      </a:r>
-                    </a:p>
-                  </a:txBody>
-                  <a:tcPr/>
-                </a:tc>
-                <a:tc>
-                  <a:txBody>
-                    <a:bodyPr/>
-                    <a:lstStyle/>
-                    <a:p>
-                      <a:pPr algn="l"/>
-                      <a:r>
-                        <a:rPr lang="en-US" sz="800" b="1" dirty="0"/>
-                        <a:t>Customer#01</a:t>
-                      </a:r>
-                    </a:p>
-                  </a:txBody>
-                  <a:tcPr/>
-                </a:tc>
-                <a:tc>
-                  <a:txBody>
-                    <a:bodyPr/>
-                    <a:lstStyle/>
-                    <a:p>
-                      <a:pPr algn="r"/>
-                      <a:r>
-                        <a:rPr lang="en-US" sz="800" b="1" dirty="0"/>
-                        <a:t>5.302,38</a:t>
-                      </a:r>
-                    </a:p>
-                  </a:txBody>
-                  <a:tcPr/>
-                </a:tc>
-                <a:tc>
-                  <a:txBody>
-                    <a:bodyPr/>
-                    <a:lstStyle/>
-                    <a:p>
-                      <a:r>
-                        <a:rPr lang="en-US" sz="800" b="1" dirty="0">
-                          <a:solidFill>
-                            <a:srgbClr val="FF0000"/>
-                          </a:solidFill>
-                        </a:rPr>
-                        <a:t>Long Text</a:t>
-                      </a:r>
-                    </a:p>
-                  </a:txBody>
-                  <a:tcPr/>
-                </a:tc>
-                <a:extLst>
-                  <a:ext uri="{0D108BD9-81ED-4DB2-BD59-A6C34878D82A}">
-                    <a16:rowId xmlns:a16="http://schemas.microsoft.com/office/drawing/2014/main" val="4129811324"/>
-                  </a:ext>
-                </a:extLst>
-              </a:tr>
-              <a:tr h="188057">
-                <a:tc>
-                  <a:txBody>
-                    <a:bodyPr/>
-                    <a:lstStyle/>
-                    <a:p>
-                      <a:pPr algn="ctr"/>
-                      <a:r>
                         <a:rPr lang="en-US" sz="800" dirty="0"/>
-                        <a:t>2</a:t>
+                        <a:t>11</a:t>
                       </a:r>
                     </a:p>
                   </a:txBody>
@@ -19900,7 +19861,7 @@
                       </a:pPr>
                       <a:r>
                         <a:rPr lang="en-US" sz="800" dirty="0"/>
-                        <a:t>Customer#02</a:t>
+                        <a:t>Customer#11</a:t>
                       </a:r>
                     </a:p>
                   </a:txBody>
@@ -19914,7 +19875,7 @@
                       <a:pPr algn="r"/>
                       <a:r>
                         <a:rPr lang="en-US" sz="800" dirty="0"/>
-                        <a:t>6.059,20</a:t>
+                        <a:t>8.987,76</a:t>
                       </a:r>
                     </a:p>
                   </a:txBody>
@@ -19935,7 +19896,7 @@
                 </a:tc>
                 <a:extLst>
                   <a:ext uri="{0D108BD9-81ED-4DB2-BD59-A6C34878D82A}">
-                    <a16:rowId xmlns:a16="http://schemas.microsoft.com/office/drawing/2014/main" val="3598500042"/>
+                    <a16:rowId xmlns:a16="http://schemas.microsoft.com/office/drawing/2014/main" val="4129811324"/>
                   </a:ext>
                 </a:extLst>
               </a:tr>
@@ -19948,7 +19909,7 @@
                       <a:pPr algn="ctr"/>
                       <a:r>
                         <a:rPr lang="en-US" sz="800" dirty="0"/>
-                        <a:t>3</a:t>
+                        <a:t>…</a:t>
                       </a:r>
                     </a:p>
                   </a:txBody>
@@ -19978,7 +19939,7 @@
                       </a:pPr>
                       <a:r>
                         <a:rPr lang="en-US" sz="800" dirty="0"/>
-                        <a:t>Customer#03</a:t>
+                        <a:t>…</a:t>
                       </a:r>
                     </a:p>
                   </a:txBody>
@@ -19992,7 +19953,7 @@
                       <a:pPr algn="r"/>
                       <a:r>
                         <a:rPr lang="en-US" sz="800" dirty="0"/>
-                        <a:t>7.510,04</a:t>
+                        <a:t>…</a:t>
                       </a:r>
                     </a:p>
                   </a:txBody>
@@ -20005,7 +19966,7 @@
                     <a:p>
                       <a:r>
                         <a:rPr lang="en-US" sz="800" dirty="0"/>
-                        <a:t>NULL</a:t>
+                        <a:t>…</a:t>
                       </a:r>
                     </a:p>
                   </a:txBody>
@@ -20013,7 +19974,7 @@
                 </a:tc>
                 <a:extLst>
                   <a:ext uri="{0D108BD9-81ED-4DB2-BD59-A6C34878D82A}">
-                    <a16:rowId xmlns:a16="http://schemas.microsoft.com/office/drawing/2014/main" val="583751885"/>
+                    <a16:rowId xmlns:a16="http://schemas.microsoft.com/office/drawing/2014/main" val="3598500042"/>
                   </a:ext>
                 </a:extLst>
               </a:tr>
@@ -20091,7 +20052,7 @@
                 </a:tc>
                 <a:extLst>
                   <a:ext uri="{0D108BD9-81ED-4DB2-BD59-A6C34878D82A}">
-                    <a16:rowId xmlns:a16="http://schemas.microsoft.com/office/drawing/2014/main" val="1701820488"/>
+                    <a16:rowId xmlns:a16="http://schemas.microsoft.com/office/drawing/2014/main" val="583751885"/>
                   </a:ext>
                 </a:extLst>
               </a:tr>
@@ -20169,7 +20130,7 @@
                 </a:tc>
                 <a:extLst>
                   <a:ext uri="{0D108BD9-81ED-4DB2-BD59-A6C34878D82A}">
-                    <a16:rowId xmlns:a16="http://schemas.microsoft.com/office/drawing/2014/main" val="3546972326"/>
+                    <a16:rowId xmlns:a16="http://schemas.microsoft.com/office/drawing/2014/main" val="1701820488"/>
                   </a:ext>
                 </a:extLst>
               </a:tr>
@@ -20182,7 +20143,7 @@
                       <a:pPr algn="ctr"/>
                       <a:r>
                         <a:rPr lang="en-US" sz="800" dirty="0"/>
-                        <a:t>10</a:t>
+                        <a:t>…</a:t>
                       </a:r>
                     </a:p>
                   </a:txBody>
@@ -20212,7 +20173,7 @@
                       </a:pPr>
                       <a:r>
                         <a:rPr lang="en-US" sz="800" dirty="0"/>
-                        <a:t>Customer#10</a:t>
+                        <a:t>…</a:t>
                       </a:r>
                     </a:p>
                   </a:txBody>
@@ -20226,7 +20187,7 @@
                       <a:pPr algn="r"/>
                       <a:r>
                         <a:rPr lang="en-US" sz="800" dirty="0"/>
-                        <a:t>3.353,31</a:t>
+                        <a:t>…</a:t>
                       </a:r>
                     </a:p>
                   </a:txBody>
@@ -20239,7 +20200,85 @@
                     <a:p>
                       <a:r>
                         <a:rPr lang="en-US" sz="800" dirty="0"/>
-                        <a:t>NULL</a:t>
+                        <a:t>…</a:t>
+                      </a:r>
+                    </a:p>
+                  </a:txBody>
+                  <a:tcPr/>
+                </a:tc>
+                <a:extLst>
+                  <a:ext uri="{0D108BD9-81ED-4DB2-BD59-A6C34878D82A}">
+                    <a16:rowId xmlns:a16="http://schemas.microsoft.com/office/drawing/2014/main" val="3546972326"/>
+                  </a:ext>
+                </a:extLst>
+              </a:tr>
+              <a:tr h="188057">
+                <a:tc>
+                  <a:txBody>
+                    <a:bodyPr/>
+                    <a:lstStyle/>
+                    <a:p>
+                      <a:pPr algn="ctr"/>
+                      <a:r>
+                        <a:rPr lang="en-US" sz="800" dirty="0"/>
+                        <a:t>…</a:t>
+                      </a:r>
+                    </a:p>
+                  </a:txBody>
+                  <a:tcPr/>
+                </a:tc>
+                <a:tc>
+                  <a:txBody>
+                    <a:bodyPr/>
+                    <a:lstStyle/>
+                    <a:p>
+                      <a:pPr marL="0" marR="0" lvl="0" indent="0" algn="l" defTabSz="914309" rtl="0" eaLnBrk="1" fontAlgn="auto" latinLnBrk="0" hangingPunct="1">
+                        <a:lnSpc>
+                          <a:spcPct val="100000"/>
+                        </a:lnSpc>
+                        <a:spcBef>
+                          <a:spcPts val="0"/>
+                        </a:spcBef>
+                        <a:spcAft>
+                          <a:spcPts val="0"/>
+                        </a:spcAft>
+                        <a:buClrTx/>
+                        <a:buSzTx/>
+                        <a:buFontTx/>
+                        <a:buNone/>
+                        <a:tabLst/>
+                        <a:defRPr/>
+                      </a:pPr>
+                      <a:r>
+                        <a:rPr lang="en-US" sz="800" dirty="0"/>
+                        <a:t>…</a:t>
+                      </a:r>
+                    </a:p>
+                  </a:txBody>
+                  <a:tcPr/>
+                </a:tc>
+                <a:tc>
+                  <a:txBody>
+                    <a:bodyPr/>
+                    <a:lstStyle/>
+                    <a:p>
+                      <a:pPr algn="r"/>
+                      <a:r>
+                        <a:rPr lang="en-US" sz="800" dirty="0"/>
+                        <a:t>…</a:t>
+                      </a:r>
+                    </a:p>
+                  </a:txBody>
+                  <a:tcPr/>
+                </a:tc>
+                <a:tc>
+                  <a:txBody>
+                    <a:bodyPr/>
+                    <a:lstStyle/>
+                    <a:p>
+                      <a:r>
+                        <a:rPr lang="en-US" sz="800" dirty="0"/>
+                        <a:t>…</a:t>
                       </a:r>
                     </a:p>
                   </a:txBody>
@@ -20852,7 +20891,7 @@
           <p:nvPr>
             <p:extLst>
               <p:ext uri="{D42A27DB-BD31-4B8C-83A1-F6EECF244321}">
-                <p14:modId xmlns:p14="http://schemas.microsoft.com/office/powerpoint/2010/main" val="2917301135"/>
+                <p14:modId xmlns:p14="http://schemas.microsoft.com/office/powerpoint/2010/main" val="2905594189"/>
               </p:ext>
             </p:extLst>
           </p:nvPr>
@@ -20970,7 +21009,10 @@
                     <a:lstStyle/>
                     <a:p>
                       <a:pPr algn="ctr"/>
-                      <a:endParaRPr lang="en-US" sz="800" dirty="0"/>
+                      <a:r>
+                        <a:rPr lang="en-US" sz="800" b="1" dirty="0"/>
+                        <a:t>1</a:t>
+                      </a:r>
                     </a:p>
                   </a:txBody>
                   <a:tcPr/>
@@ -20981,7 +21023,10 @@
                     <a:lstStyle/>
                     <a:p>
                       <a:pPr algn="l"/>
-                      <a:endParaRPr lang="en-US" sz="800" dirty="0"/>
+                      <a:r>
+                        <a:rPr lang="en-US" sz="800" b="1" dirty="0"/>
+                        <a:t>Customer#01</a:t>
+                      </a:r>
                     </a:p>
                   </a:txBody>
                   <a:tcPr/>
@@ -20992,17 +21037,27 @@
                     <a:lstStyle/>
                     <a:p>
                       <a:pPr algn="r"/>
-                      <a:endParaRPr lang="en-US" sz="800" dirty="0"/>
-                    </a:p>
-                  </a:txBody>
-                  <a:tcPr/>
-                </a:tc>
-                <a:tc>
-                  <a:txBody>
-                    <a:bodyPr/>
-                    <a:lstStyle/>
-                    <a:p>
-                      <a:endParaRPr lang="en-US" sz="800" dirty="0"/>
+                      <a:r>
+                        <a:rPr lang="en-US" sz="800" b="1" dirty="0"/>
+                        <a:t>5.302,38</a:t>
+                      </a:r>
+                    </a:p>
+                  </a:txBody>
+                  <a:tcPr/>
+                </a:tc>
+                <a:tc>
+                  <a:txBody>
+                    <a:bodyPr/>
+                    <a:lstStyle/>
+                    <a:p>
+                      <a:r>
+                        <a:rPr lang="en-US" sz="800" b="1" dirty="0">
+                          <a:solidFill>
+                            <a:srgbClr val="FF0000"/>
+                          </a:solidFill>
+                        </a:rPr>
+                        <a:t>Long Text</a:t>
+                      </a:r>
                     </a:p>
                   </a:txBody>
                   <a:tcPr/>
@@ -21010,6 +21065,396 @@
                 <a:extLst>
                   <a:ext uri="{0D108BD9-81ED-4DB2-BD59-A6C34878D82A}">
                     <a16:rowId xmlns:a16="http://schemas.microsoft.com/office/drawing/2014/main" val="4129811324"/>
+                  </a:ext>
+                </a:extLst>
+              </a:tr>
+              <a:tr h="188057">
+                <a:tc>
+                  <a:txBody>
+                    <a:bodyPr/>
+                    <a:lstStyle/>
+                    <a:p>
+                      <a:pPr algn="ctr"/>
+                      <a:r>
+                        <a:rPr lang="en-US" sz="800" dirty="0"/>
+                        <a:t>2</a:t>
+                      </a:r>
+                    </a:p>
+                  </a:txBody>
+                  <a:tcPr/>
+                </a:tc>
+                <a:tc>
+                  <a:txBody>
+                    <a:bodyPr/>
+                    <a:lstStyle/>
+                    <a:p>
+                      <a:pPr marL="0" marR="0" lvl="0" indent="0" algn="l" defTabSz="914309" rtl="0" eaLnBrk="1" fontAlgn="auto" latinLnBrk="0" hangingPunct="1">
+                        <a:lnSpc>
+                          <a:spcPct val="100000"/>
+                        </a:lnSpc>
+                        <a:spcBef>
+                          <a:spcPts val="0"/>
+                        </a:spcBef>
+                        <a:spcAft>
+                          <a:spcPts val="0"/>
+                        </a:spcAft>
+                        <a:buClrTx/>
+                        <a:buSzTx/>
+                        <a:buFontTx/>
+                        <a:buNone/>
+                        <a:tabLst/>
+                        <a:defRPr/>
+                      </a:pPr>
+                      <a:r>
+                        <a:rPr lang="en-US" sz="800" dirty="0"/>
+                        <a:t>Customer#02</a:t>
+                      </a:r>
+                    </a:p>
+                  </a:txBody>
+                  <a:tcPr/>
+                </a:tc>
+                <a:tc>
+                  <a:txBody>
+                    <a:bodyPr/>
+                    <a:lstStyle/>
+                    <a:p>
+                      <a:pPr algn="r"/>
+                      <a:r>
+                        <a:rPr lang="en-US" sz="800" dirty="0"/>
+                        <a:t>6.059,20</a:t>
+                      </a:r>
+                    </a:p>
+                  </a:txBody>
+                  <a:tcPr/>
+                </a:tc>
+                <a:tc>
+                  <a:txBody>
+                    <a:bodyPr/>
+                    <a:lstStyle/>
+                    <a:p>
+                      <a:r>
+                        <a:rPr lang="en-US" sz="800" dirty="0"/>
+                        <a:t>NULL</a:t>
+                      </a:r>
+                    </a:p>
+                  </a:txBody>
+                  <a:tcPr/>
+                </a:tc>
+                <a:extLst>
+                  <a:ext uri="{0D108BD9-81ED-4DB2-BD59-A6C34878D82A}">
+                    <a16:rowId xmlns:a16="http://schemas.microsoft.com/office/drawing/2014/main" val="3598500042"/>
+                  </a:ext>
+                </a:extLst>
+              </a:tr>
+              <a:tr h="188057">
+                <a:tc>
+                  <a:txBody>
+                    <a:bodyPr/>
+                    <a:lstStyle/>
+                    <a:p>
+                      <a:pPr algn="ctr"/>
+                      <a:r>
+                        <a:rPr lang="en-US" sz="800" dirty="0"/>
+                        <a:t>3</a:t>
+                      </a:r>
+                    </a:p>
+                  </a:txBody>
+                  <a:tcPr/>
+                </a:tc>
+                <a:tc>
+                  <a:txBody>
+                    <a:bodyPr/>
+                    <a:lstStyle/>
+                    <a:p>
+                      <a:pPr marL="0" marR="0" lvl="0" indent="0" algn="l" defTabSz="914309" rtl="0" eaLnBrk="1" fontAlgn="auto" latinLnBrk="0" hangingPunct="1">
+                        <a:lnSpc>
+                          <a:spcPct val="100000"/>
+                        </a:lnSpc>
+                        <a:spcBef>
+                          <a:spcPts val="0"/>
+                        </a:spcBef>
+                        <a:spcAft>
+                          <a:spcPts val="0"/>
+                        </a:spcAft>
+                        <a:buClrTx/>
+                        <a:buSzTx/>
+                        <a:buFontTx/>
+                        <a:buNone/>
+                        <a:tabLst/>
+                        <a:defRPr/>
+                      </a:pPr>
+                      <a:r>
+                        <a:rPr lang="en-US" sz="800" dirty="0"/>
+                        <a:t>Customer#03</a:t>
+                      </a:r>
+                    </a:p>
+                  </a:txBody>
+                  <a:tcPr/>
+                </a:tc>
+                <a:tc>
+                  <a:txBody>
+                    <a:bodyPr/>
+                    <a:lstStyle/>
+                    <a:p>
+                      <a:pPr algn="r"/>
+                      <a:r>
+                        <a:rPr lang="en-US" sz="800" dirty="0"/>
+                        <a:t>7.510,04</a:t>
+                      </a:r>
+                    </a:p>
+                  </a:txBody>
+                  <a:tcPr/>
+                </a:tc>
+                <a:tc>
+                  <a:txBody>
+                    <a:bodyPr/>
+                    <a:lstStyle/>
+                    <a:p>
+                      <a:r>
+                        <a:rPr lang="en-US" sz="800" dirty="0"/>
+                        <a:t>NULL</a:t>
+                      </a:r>
+                    </a:p>
+                  </a:txBody>
+                  <a:tcPr/>
+                </a:tc>
+                <a:extLst>
+                  <a:ext uri="{0D108BD9-81ED-4DB2-BD59-A6C34878D82A}">
+                    <a16:rowId xmlns:a16="http://schemas.microsoft.com/office/drawing/2014/main" val="583751885"/>
+                  </a:ext>
+                </a:extLst>
+              </a:tr>
+              <a:tr h="188057">
+                <a:tc>
+                  <a:txBody>
+                    <a:bodyPr/>
+                    <a:lstStyle/>
+                    <a:p>
+                      <a:pPr algn="ctr"/>
+                      <a:r>
+                        <a:rPr lang="en-US" sz="800" dirty="0"/>
+                        <a:t>…</a:t>
+                      </a:r>
+                    </a:p>
+                  </a:txBody>
+                  <a:tcPr/>
+                </a:tc>
+                <a:tc>
+                  <a:txBody>
+                    <a:bodyPr/>
+                    <a:lstStyle/>
+                    <a:p>
+                      <a:pPr marL="0" marR="0" lvl="0" indent="0" algn="l" defTabSz="914309" rtl="0" eaLnBrk="1" fontAlgn="auto" latinLnBrk="0" hangingPunct="1">
+                        <a:lnSpc>
+                          <a:spcPct val="100000"/>
+                        </a:lnSpc>
+                        <a:spcBef>
+                          <a:spcPts val="0"/>
+                        </a:spcBef>
+                        <a:spcAft>
+                          <a:spcPts val="0"/>
+                        </a:spcAft>
+                        <a:buClrTx/>
+                        <a:buSzTx/>
+                        <a:buFontTx/>
+                        <a:buNone/>
+                        <a:tabLst/>
+                        <a:defRPr/>
+                      </a:pPr>
+                      <a:r>
+                        <a:rPr lang="en-US" sz="800" dirty="0"/>
+                        <a:t>…</a:t>
+                      </a:r>
+                    </a:p>
+                  </a:txBody>
+                  <a:tcPr/>
+                </a:tc>
+                <a:tc>
+                  <a:txBody>
+                    <a:bodyPr/>
+                    <a:lstStyle/>
+                    <a:p>
+                      <a:pPr algn="r"/>
+                      <a:r>
+                        <a:rPr lang="en-US" sz="800" dirty="0"/>
+                        <a:t>…</a:t>
+                      </a:r>
+                    </a:p>
+                  </a:txBody>
+                  <a:tcPr/>
+                </a:tc>
+                <a:tc>
+                  <a:txBody>
+                    <a:bodyPr/>
+                    <a:lstStyle/>
+                    <a:p>
+                      <a:r>
+                        <a:rPr lang="en-US" sz="800" dirty="0"/>
+                        <a:t>…</a:t>
+                      </a:r>
+                    </a:p>
+                  </a:txBody>
+                  <a:tcPr/>
+                </a:tc>
+                <a:extLst>
+                  <a:ext uri="{0D108BD9-81ED-4DB2-BD59-A6C34878D82A}">
+                    <a16:rowId xmlns:a16="http://schemas.microsoft.com/office/drawing/2014/main" val="1701820488"/>
+                  </a:ext>
+                </a:extLst>
+              </a:tr>
+              <a:tr h="188057">
+                <a:tc>
+                  <a:txBody>
+                    <a:bodyPr/>
+                    <a:lstStyle/>
+                    <a:p>
+                      <a:pPr algn="ctr"/>
+                      <a:r>
+                        <a:rPr lang="en-US" sz="800" dirty="0"/>
+                        <a:t>…</a:t>
+                      </a:r>
+                    </a:p>
+                  </a:txBody>
+                  <a:tcPr/>
+                </a:tc>
+                <a:tc>
+                  <a:txBody>
+                    <a:bodyPr/>
+                    <a:lstStyle/>
+                    <a:p>
+                      <a:pPr marL="0" marR="0" lvl="0" indent="0" algn="l" defTabSz="914309" rtl="0" eaLnBrk="1" fontAlgn="auto" latinLnBrk="0" hangingPunct="1">
+                        <a:lnSpc>
+                          <a:spcPct val="100000"/>
+                        </a:lnSpc>
+                        <a:spcBef>
+                          <a:spcPts val="0"/>
+                        </a:spcBef>
+                        <a:spcAft>
+                          <a:spcPts val="0"/>
+                        </a:spcAft>
+                        <a:buClrTx/>
+                        <a:buSzTx/>
+                        <a:buFontTx/>
+                        <a:buNone/>
+                        <a:tabLst/>
+                        <a:defRPr/>
+                      </a:pPr>
+                      <a:r>
+                        <a:rPr lang="en-US" sz="800" dirty="0"/>
+                        <a:t>…</a:t>
+                      </a:r>
+                    </a:p>
+                  </a:txBody>
+                  <a:tcPr/>
+                </a:tc>
+                <a:tc>
+                  <a:txBody>
+                    <a:bodyPr/>
+                    <a:lstStyle/>
+                    <a:p>
+                      <a:pPr algn="r"/>
+                      <a:r>
+                        <a:rPr lang="en-US" sz="800" dirty="0"/>
+                        <a:t>…</a:t>
+                      </a:r>
+                    </a:p>
+                  </a:txBody>
+                  <a:tcPr/>
+                </a:tc>
+                <a:tc>
+                  <a:txBody>
+                    <a:bodyPr/>
+                    <a:lstStyle/>
+                    <a:p>
+                      <a:r>
+                        <a:rPr lang="en-US" sz="800" dirty="0"/>
+                        <a:t>…</a:t>
+                      </a:r>
+                    </a:p>
+                  </a:txBody>
+                  <a:tcPr/>
+                </a:tc>
+                <a:extLst>
+                  <a:ext uri="{0D108BD9-81ED-4DB2-BD59-A6C34878D82A}">
+                    <a16:rowId xmlns:a16="http://schemas.microsoft.com/office/drawing/2014/main" val="3546972326"/>
+                  </a:ext>
+                </a:extLst>
+              </a:tr>
+              <a:tr h="188057">
+                <a:tc>
+                  <a:txBody>
+                    <a:bodyPr/>
+                    <a:lstStyle/>
+                    <a:p>
+                      <a:pPr algn="ctr"/>
+                      <a:r>
+                        <a:rPr lang="en-US" sz="800" dirty="0"/>
+                        <a:t>10</a:t>
+                      </a:r>
+                    </a:p>
+                  </a:txBody>
+                  <a:tcPr/>
+                </a:tc>
+                <a:tc>
+                  <a:txBody>
+                    <a:bodyPr/>
+                    <a:lstStyle/>
+                    <a:p>
+                      <a:pPr marL="0" marR="0" lvl="0" indent="0" algn="l" defTabSz="914309" rtl="0" eaLnBrk="1" fontAlgn="auto" latinLnBrk="0" hangingPunct="1">
+                        <a:lnSpc>
+                          <a:spcPct val="100000"/>
+                        </a:lnSpc>
+                        <a:spcBef>
+                          <a:spcPts val="0"/>
+                        </a:spcBef>
+                        <a:spcAft>
+                          <a:spcPts val="0"/>
+                        </a:spcAft>
+                        <a:buClrTx/>
+                        <a:buSzTx/>
+                        <a:buFontTx/>
+                        <a:buNone/>
+                        <a:tabLst/>
+                        <a:defRPr/>
+                      </a:pPr>
+                      <a:r>
+                        <a:rPr lang="en-US" sz="800" dirty="0"/>
+                        <a:t>Customer#10</a:t>
+                      </a:r>
+                    </a:p>
+                  </a:txBody>
+                  <a:tcPr/>
+                </a:tc>
+                <a:tc>
+                  <a:txBody>
+                    <a:bodyPr/>
+                    <a:lstStyle/>
+                    <a:p>
+                      <a:pPr algn="r"/>
+                      <a:r>
+                        <a:rPr lang="en-US" sz="800" dirty="0"/>
+                        <a:t>3.353,31</a:t>
+                      </a:r>
+                    </a:p>
+                  </a:txBody>
+                  <a:tcPr/>
+                </a:tc>
+                <a:tc>
+                  <a:txBody>
+                    <a:bodyPr/>
+                    <a:lstStyle/>
+                    <a:p>
+                      <a:r>
+                        <a:rPr lang="en-US" sz="800" dirty="0"/>
+                        <a:t>NULL</a:t>
+                      </a:r>
+                    </a:p>
+                  </a:txBody>
+                  <a:tcPr/>
+                </a:tc>
+                <a:extLst>
+                  <a:ext uri="{0D108BD9-81ED-4DB2-BD59-A6C34878D82A}">
+                    <a16:rowId xmlns:a16="http://schemas.microsoft.com/office/drawing/2014/main" val="2684911339"/>
                   </a:ext>
                 </a:extLst>
               </a:tr>
@@ -21075,7 +21520,7 @@
                 </a:tc>
                 <a:extLst>
                   <a:ext uri="{0D108BD9-81ED-4DB2-BD59-A6C34878D82A}">
-                    <a16:rowId xmlns:a16="http://schemas.microsoft.com/office/drawing/2014/main" val="3598500042"/>
+                    <a16:rowId xmlns:a16="http://schemas.microsoft.com/office/drawing/2014/main" val="730639944"/>
                   </a:ext>
                 </a:extLst>
               </a:tr>
@@ -21141,7 +21586,7 @@
                 </a:tc>
                 <a:extLst>
                   <a:ext uri="{0D108BD9-81ED-4DB2-BD59-A6C34878D82A}">
-                    <a16:rowId xmlns:a16="http://schemas.microsoft.com/office/drawing/2014/main" val="583751885"/>
+                    <a16:rowId xmlns:a16="http://schemas.microsoft.com/office/drawing/2014/main" val="3081365994"/>
                   </a:ext>
                 </a:extLst>
               </a:tr>
@@ -21207,7 +21652,7 @@
                 </a:tc>
                 <a:extLst>
                   <a:ext uri="{0D108BD9-81ED-4DB2-BD59-A6C34878D82A}">
-                    <a16:rowId xmlns:a16="http://schemas.microsoft.com/office/drawing/2014/main" val="1701820488"/>
+                    <a16:rowId xmlns:a16="http://schemas.microsoft.com/office/drawing/2014/main" val="2321484931"/>
                   </a:ext>
                 </a:extLst>
               </a:tr>
@@ -21273,7 +21718,7 @@
                 </a:tc>
                 <a:extLst>
                   <a:ext uri="{0D108BD9-81ED-4DB2-BD59-A6C34878D82A}">
-                    <a16:rowId xmlns:a16="http://schemas.microsoft.com/office/drawing/2014/main" val="3546972326"/>
+                    <a16:rowId xmlns:a16="http://schemas.microsoft.com/office/drawing/2014/main" val="3475872506"/>
                   </a:ext>
                 </a:extLst>
               </a:tr>
@@ -21339,7 +21784,7 @@
                 </a:tc>
                 <a:extLst>
                   <a:ext uri="{0D108BD9-81ED-4DB2-BD59-A6C34878D82A}">
-                    <a16:rowId xmlns:a16="http://schemas.microsoft.com/office/drawing/2014/main" val="2684911339"/>
+                    <a16:rowId xmlns:a16="http://schemas.microsoft.com/office/drawing/2014/main" val="3547733310"/>
                   </a:ext>
                 </a:extLst>
               </a:tr>
@@ -21350,10 +21795,7 @@
                     <a:lstStyle/>
                     <a:p>
                       <a:pPr algn="ctr"/>
-                      <a:r>
-                        <a:rPr lang="en-US" sz="800" dirty="0"/>
-                        <a:t>11</a:t>
-                      </a:r>
+                      <a:endParaRPr lang="en-US" sz="800" dirty="0"/>
                     </a:p>
                   </a:txBody>
                   <a:tcPr/>
@@ -21380,10 +21822,7 @@
                         <a:tabLst/>
                         <a:defRPr/>
                       </a:pPr>
-                      <a:r>
-                        <a:rPr lang="en-US" sz="800" dirty="0"/>
-                        <a:t>Customer#11</a:t>
-                      </a:r>
+                      <a:endParaRPr lang="en-US" sz="800" dirty="0"/>
                     </a:p>
                   </a:txBody>
                   <a:tcPr/>
@@ -21394,30 +21833,24 @@
                     <a:lstStyle/>
                     <a:p>
                       <a:pPr algn="r"/>
-                      <a:r>
-                        <a:rPr lang="en-US" sz="800" dirty="0"/>
-                        <a:t>8.987,76</a:t>
-                      </a:r>
-                    </a:p>
-                  </a:txBody>
-                  <a:tcPr/>
-                </a:tc>
-                <a:tc>
-                  <a:txBody>
-                    <a:bodyPr/>
-                    <a:lstStyle/>
-                    <a:p>
-                      <a:r>
-                        <a:rPr lang="en-US" sz="800" dirty="0"/>
-                        <a:t>NULL</a:t>
-                      </a:r>
+                      <a:endParaRPr lang="en-US" sz="800" dirty="0"/>
+                    </a:p>
+                  </a:txBody>
+                  <a:tcPr/>
+                </a:tc>
+                <a:tc>
+                  <a:txBody>
+                    <a:bodyPr/>
+                    <a:lstStyle/>
+                    <a:p>
+                      <a:endParaRPr lang="en-US" sz="800" dirty="0"/>
                     </a:p>
                   </a:txBody>
                   <a:tcPr/>
                 </a:tc>
                 <a:extLst>
                   <a:ext uri="{0D108BD9-81ED-4DB2-BD59-A6C34878D82A}">
-                    <a16:rowId xmlns:a16="http://schemas.microsoft.com/office/drawing/2014/main" val="730639944"/>
+                    <a16:rowId xmlns:a16="http://schemas.microsoft.com/office/drawing/2014/main" val="3037803838"/>
                   </a:ext>
                 </a:extLst>
               </a:tr>
@@ -21428,10 +21861,7 @@
                     <a:lstStyle/>
                     <a:p>
                       <a:pPr algn="ctr"/>
-                      <a:r>
-                        <a:rPr lang="en-US" sz="800" dirty="0"/>
-                        <a:t>…</a:t>
-                      </a:r>
+                      <a:endParaRPr lang="en-US" sz="800" dirty="0"/>
                     </a:p>
                   </a:txBody>
                   <a:tcPr/>
@@ -21458,10 +21888,7 @@
                         <a:tabLst/>
                         <a:defRPr/>
                       </a:pPr>
-                      <a:r>
-                        <a:rPr lang="en-US" sz="800" dirty="0"/>
-                        <a:t>…</a:t>
-                      </a:r>
+                      <a:endParaRPr lang="en-US" sz="800" dirty="0"/>
                     </a:p>
                   </a:txBody>
                   <a:tcPr/>
@@ -21472,30 +21899,24 @@
                     <a:lstStyle/>
                     <a:p>
                       <a:pPr algn="r"/>
-                      <a:r>
-                        <a:rPr lang="en-US" sz="800" dirty="0"/>
-                        <a:t>…</a:t>
-                      </a:r>
-                    </a:p>
-                  </a:txBody>
-                  <a:tcPr/>
-                </a:tc>
-                <a:tc>
-                  <a:txBody>
-                    <a:bodyPr/>
-                    <a:lstStyle/>
-                    <a:p>
-                      <a:r>
-                        <a:rPr lang="en-US" sz="800" dirty="0"/>
-                        <a:t>…</a:t>
-                      </a:r>
+                      <a:endParaRPr lang="en-US" sz="800" dirty="0"/>
+                    </a:p>
+                  </a:txBody>
+                  <a:tcPr/>
+                </a:tc>
+                <a:tc>
+                  <a:txBody>
+                    <a:bodyPr/>
+                    <a:lstStyle/>
+                    <a:p>
+                      <a:endParaRPr lang="en-US" sz="800" dirty="0"/>
                     </a:p>
                   </a:txBody>
                   <a:tcPr/>
                 </a:tc>
                 <a:extLst>
                   <a:ext uri="{0D108BD9-81ED-4DB2-BD59-A6C34878D82A}">
-                    <a16:rowId xmlns:a16="http://schemas.microsoft.com/office/drawing/2014/main" val="3081365994"/>
+                    <a16:rowId xmlns:a16="http://schemas.microsoft.com/office/drawing/2014/main" val="2151466055"/>
                   </a:ext>
                 </a:extLst>
               </a:tr>
@@ -21506,10 +21927,7 @@
                     <a:lstStyle/>
                     <a:p>
                       <a:pPr algn="ctr"/>
-                      <a:r>
-                        <a:rPr lang="en-US" sz="800" dirty="0"/>
-                        <a:t>…</a:t>
-                      </a:r>
+                      <a:endParaRPr lang="en-US" sz="800" dirty="0"/>
                     </a:p>
                   </a:txBody>
                   <a:tcPr/>
@@ -21536,10 +21954,7 @@
                         <a:tabLst/>
                         <a:defRPr/>
                       </a:pPr>
-                      <a:r>
-                        <a:rPr lang="en-US" sz="800" dirty="0"/>
-                        <a:t>…</a:t>
-                      </a:r>
+                      <a:endParaRPr lang="en-US" sz="800" dirty="0"/>
                     </a:p>
                   </a:txBody>
                   <a:tcPr/>
@@ -21550,413 +21965,17 @@
                     <a:lstStyle/>
                     <a:p>
                       <a:pPr algn="r"/>
-                      <a:r>
-                        <a:rPr lang="en-US" sz="800" dirty="0"/>
-                        <a:t>…</a:t>
-                      </a:r>
-                    </a:p>
-                  </a:txBody>
-                  <a:tcPr/>
-                </a:tc>
-                <a:tc>
-                  <a:txBody>
-                    <a:bodyPr/>
-                    <a:lstStyle/>
-                    <a:p>
-                      <a:r>
-                        <a:rPr lang="en-US" sz="800" dirty="0"/>
-                        <a:t>…</a:t>
-                      </a:r>
-                    </a:p>
-                  </a:txBody>
-                  <a:tcPr/>
-                </a:tc>
-                <a:extLst>
-                  <a:ext uri="{0D108BD9-81ED-4DB2-BD59-A6C34878D82A}">
-                    <a16:rowId xmlns:a16="http://schemas.microsoft.com/office/drawing/2014/main" val="2321484931"/>
-                  </a:ext>
-                </a:extLst>
-              </a:tr>
-              <a:tr h="188057">
-                <a:tc>
-                  <a:txBody>
-                    <a:bodyPr/>
-                    <a:lstStyle/>
-                    <a:p>
-                      <a:pPr algn="ctr"/>
-                      <a:r>
-                        <a:rPr lang="en-US" sz="800" dirty="0"/>
-                        <a:t>…</a:t>
-                      </a:r>
-                    </a:p>
-                  </a:txBody>
-                  <a:tcPr/>
-                </a:tc>
-                <a:tc>
-                  <a:txBody>
-                    <a:bodyPr/>
-                    <a:lstStyle/>
-                    <a:p>
-                      <a:pPr marL="0" marR="0" lvl="0" indent="0" algn="l" defTabSz="914309" rtl="0" eaLnBrk="1" fontAlgn="auto" latinLnBrk="0" hangingPunct="1">
-                        <a:lnSpc>
-                          <a:spcPct val="100000"/>
-                        </a:lnSpc>
-                        <a:spcBef>
-                          <a:spcPts val="0"/>
-                        </a:spcBef>
-                        <a:spcAft>
-                          <a:spcPts val="0"/>
-                        </a:spcAft>
-                        <a:buClrTx/>
-                        <a:buSzTx/>
-                        <a:buFontTx/>
-                        <a:buNone/>
-                        <a:tabLst/>
-                        <a:defRPr/>
-                      </a:pPr>
-                      <a:r>
-                        <a:rPr lang="en-US" sz="800" dirty="0"/>
-                        <a:t>…</a:t>
-                      </a:r>
-                    </a:p>
-                  </a:txBody>
-                  <a:tcPr/>
-                </a:tc>
-                <a:tc>
-                  <a:txBody>
-                    <a:bodyPr/>
-                    <a:lstStyle/>
-                    <a:p>
-                      <a:pPr algn="r"/>
-                      <a:r>
-                        <a:rPr lang="en-US" sz="800" dirty="0"/>
-                        <a:t>…</a:t>
-                      </a:r>
-                    </a:p>
-                  </a:txBody>
-                  <a:tcPr/>
-                </a:tc>
-                <a:tc>
-                  <a:txBody>
-                    <a:bodyPr/>
-                    <a:lstStyle/>
-                    <a:p>
-                      <a:r>
-                        <a:rPr lang="en-US" sz="800" dirty="0"/>
-                        <a:t>…</a:t>
-                      </a:r>
-                    </a:p>
-                  </a:txBody>
-                  <a:tcPr/>
-                </a:tc>
-                <a:extLst>
-                  <a:ext uri="{0D108BD9-81ED-4DB2-BD59-A6C34878D82A}">
-                    <a16:rowId xmlns:a16="http://schemas.microsoft.com/office/drawing/2014/main" val="3475872506"/>
-                  </a:ext>
-                </a:extLst>
-              </a:tr>
-              <a:tr h="188057">
-                <a:tc>
-                  <a:txBody>
-                    <a:bodyPr/>
-                    <a:lstStyle/>
-                    <a:p>
-                      <a:pPr algn="ctr"/>
-                      <a:r>
-                        <a:rPr lang="en-US" sz="800" dirty="0"/>
-                        <a:t>…</a:t>
-                      </a:r>
-                    </a:p>
-                  </a:txBody>
-                  <a:tcPr/>
-                </a:tc>
-                <a:tc>
-                  <a:txBody>
-                    <a:bodyPr/>
-                    <a:lstStyle/>
-                    <a:p>
-                      <a:pPr marL="0" marR="0" lvl="0" indent="0" algn="l" defTabSz="914309" rtl="0" eaLnBrk="1" fontAlgn="auto" latinLnBrk="0" hangingPunct="1">
-                        <a:lnSpc>
-                          <a:spcPct val="100000"/>
-                        </a:lnSpc>
-                        <a:spcBef>
-                          <a:spcPts val="0"/>
-                        </a:spcBef>
-                        <a:spcAft>
-                          <a:spcPts val="0"/>
-                        </a:spcAft>
-                        <a:buClrTx/>
-                        <a:buSzTx/>
-                        <a:buFontTx/>
-                        <a:buNone/>
-                        <a:tabLst/>
-                        <a:defRPr/>
-                      </a:pPr>
-                      <a:r>
-                        <a:rPr lang="en-US" sz="800" dirty="0"/>
-                        <a:t>…</a:t>
-                      </a:r>
-                    </a:p>
-                  </a:txBody>
-                  <a:tcPr/>
-                </a:tc>
-                <a:tc>
-                  <a:txBody>
-                    <a:bodyPr/>
-                    <a:lstStyle/>
-                    <a:p>
-                      <a:pPr algn="r"/>
-                      <a:r>
-                        <a:rPr lang="en-US" sz="800" dirty="0"/>
-                        <a:t>…</a:t>
-                      </a:r>
-                    </a:p>
-                  </a:txBody>
-                  <a:tcPr/>
-                </a:tc>
-                <a:tc>
-                  <a:txBody>
-                    <a:bodyPr/>
-                    <a:lstStyle/>
-                    <a:p>
-                      <a:r>
-                        <a:rPr lang="en-US" sz="800" dirty="0"/>
-                        <a:t>…</a:t>
-                      </a:r>
-                    </a:p>
-                  </a:txBody>
-                  <a:tcPr/>
-                </a:tc>
-                <a:extLst>
-                  <a:ext uri="{0D108BD9-81ED-4DB2-BD59-A6C34878D82A}">
-                    <a16:rowId xmlns:a16="http://schemas.microsoft.com/office/drawing/2014/main" val="3547733310"/>
-                  </a:ext>
-                </a:extLst>
-              </a:tr>
-              <a:tr h="188057">
-                <a:tc>
-                  <a:txBody>
-                    <a:bodyPr/>
-                    <a:lstStyle/>
-                    <a:p>
-                      <a:pPr algn="ctr"/>
-                      <a:r>
-                        <a:rPr lang="en-US" sz="800" dirty="0"/>
-                        <a:t>…</a:t>
-                      </a:r>
-                    </a:p>
-                  </a:txBody>
-                  <a:tcPr/>
-                </a:tc>
-                <a:tc>
-                  <a:txBody>
-                    <a:bodyPr/>
-                    <a:lstStyle/>
-                    <a:p>
-                      <a:pPr marL="0" marR="0" lvl="0" indent="0" algn="l" defTabSz="914309" rtl="0" eaLnBrk="1" fontAlgn="auto" latinLnBrk="0" hangingPunct="1">
-                        <a:lnSpc>
-                          <a:spcPct val="100000"/>
-                        </a:lnSpc>
-                        <a:spcBef>
-                          <a:spcPts val="0"/>
-                        </a:spcBef>
-                        <a:spcAft>
-                          <a:spcPts val="0"/>
-                        </a:spcAft>
-                        <a:buClrTx/>
-                        <a:buSzTx/>
-                        <a:buFontTx/>
-                        <a:buNone/>
-                        <a:tabLst/>
-                        <a:defRPr/>
-                      </a:pPr>
-                      <a:r>
-                        <a:rPr lang="en-US" sz="800" dirty="0"/>
-                        <a:t>…</a:t>
-                      </a:r>
-                    </a:p>
-                  </a:txBody>
-                  <a:tcPr/>
-                </a:tc>
-                <a:tc>
-                  <a:txBody>
-                    <a:bodyPr/>
-                    <a:lstStyle/>
-                    <a:p>
-                      <a:pPr algn="r"/>
-                      <a:r>
-                        <a:rPr lang="en-US" sz="800" dirty="0"/>
-                        <a:t>…</a:t>
-                      </a:r>
-                    </a:p>
-                  </a:txBody>
-                  <a:tcPr/>
-                </a:tc>
-                <a:tc>
-                  <a:txBody>
-                    <a:bodyPr/>
-                    <a:lstStyle/>
-                    <a:p>
-                      <a:r>
-                        <a:rPr lang="en-US" sz="800" dirty="0"/>
-                        <a:t>…</a:t>
-                      </a:r>
-                    </a:p>
-                  </a:txBody>
-                  <a:tcPr/>
-                </a:tc>
-                <a:extLst>
-                  <a:ext uri="{0D108BD9-81ED-4DB2-BD59-A6C34878D82A}">
-                    <a16:rowId xmlns:a16="http://schemas.microsoft.com/office/drawing/2014/main" val="3037803838"/>
-                  </a:ext>
-                </a:extLst>
-              </a:tr>
-              <a:tr h="188057">
-                <a:tc>
-                  <a:txBody>
-                    <a:bodyPr/>
-                    <a:lstStyle/>
-                    <a:p>
-                      <a:pPr algn="ctr"/>
-                      <a:r>
-                        <a:rPr lang="en-US" sz="800" dirty="0"/>
-                        <a:t>…</a:t>
-                      </a:r>
-                    </a:p>
-                  </a:txBody>
-                  <a:tcPr/>
-                </a:tc>
-                <a:tc>
-                  <a:txBody>
-                    <a:bodyPr/>
-                    <a:lstStyle/>
-                    <a:p>
-                      <a:pPr marL="0" marR="0" lvl="0" indent="0" algn="l" defTabSz="914309" rtl="0" eaLnBrk="1" fontAlgn="auto" latinLnBrk="0" hangingPunct="1">
-                        <a:lnSpc>
-                          <a:spcPct val="100000"/>
-                        </a:lnSpc>
-                        <a:spcBef>
-                          <a:spcPts val="0"/>
-                        </a:spcBef>
-                        <a:spcAft>
-                          <a:spcPts val="0"/>
-                        </a:spcAft>
-                        <a:buClrTx/>
-                        <a:buSzTx/>
-                        <a:buFontTx/>
-                        <a:buNone/>
-                        <a:tabLst/>
-                        <a:defRPr/>
-                      </a:pPr>
-                      <a:r>
-                        <a:rPr lang="en-US" sz="800" dirty="0"/>
-                        <a:t>…</a:t>
-                      </a:r>
-                    </a:p>
-                  </a:txBody>
-                  <a:tcPr/>
-                </a:tc>
-                <a:tc>
-                  <a:txBody>
-                    <a:bodyPr/>
-                    <a:lstStyle/>
-                    <a:p>
-                      <a:pPr algn="r"/>
-                      <a:r>
-                        <a:rPr lang="en-US" sz="800" dirty="0"/>
-                        <a:t>…</a:t>
-                      </a:r>
-                    </a:p>
-                  </a:txBody>
-                  <a:tcPr/>
-                </a:tc>
-                <a:tc>
-                  <a:txBody>
-                    <a:bodyPr/>
-                    <a:lstStyle/>
-                    <a:p>
-                      <a:r>
-                        <a:rPr lang="en-US" sz="800" dirty="0"/>
-                        <a:t>…</a:t>
-                      </a:r>
-                    </a:p>
-                  </a:txBody>
-                  <a:tcPr/>
-                </a:tc>
-                <a:extLst>
-                  <a:ext uri="{0D108BD9-81ED-4DB2-BD59-A6C34878D82A}">
-                    <a16:rowId xmlns:a16="http://schemas.microsoft.com/office/drawing/2014/main" val="2151466055"/>
-                  </a:ext>
-                </a:extLst>
-              </a:tr>
-              <a:tr h="188057">
-                <a:tc>
-                  <a:txBody>
-                    <a:bodyPr/>
-                    <a:lstStyle/>
-                    <a:p>
-                      <a:pPr algn="ctr"/>
-                      <a:r>
-                        <a:rPr lang="en-US" sz="800" dirty="0"/>
-                        <a:t>78</a:t>
-                      </a:r>
-                    </a:p>
-                  </a:txBody>
-                  <a:tcPr/>
-                </a:tc>
-                <a:tc>
-                  <a:txBody>
-                    <a:bodyPr/>
-                    <a:lstStyle/>
-                    <a:p>
-                      <a:pPr marL="0" marR="0" lvl="0" indent="0" algn="l" defTabSz="914309" rtl="0" eaLnBrk="1" fontAlgn="auto" latinLnBrk="0" hangingPunct="1">
-                        <a:lnSpc>
-                          <a:spcPct val="100000"/>
-                        </a:lnSpc>
-                        <a:spcBef>
-                          <a:spcPts val="0"/>
-                        </a:spcBef>
-                        <a:spcAft>
-                          <a:spcPts val="0"/>
-                        </a:spcAft>
-                        <a:buClrTx/>
-                        <a:buSzTx/>
-                        <a:buFontTx/>
-                        <a:buNone/>
-                        <a:tabLst/>
-                        <a:defRPr/>
-                      </a:pPr>
-                      <a:r>
-                        <a:rPr lang="en-US" sz="800" dirty="0"/>
-                        <a:t>Customer#78</a:t>
-                      </a:r>
-                    </a:p>
-                  </a:txBody>
-                  <a:tcPr/>
-                </a:tc>
-                <a:tc>
-                  <a:txBody>
-                    <a:bodyPr/>
-                    <a:lstStyle/>
-                    <a:p>
-                      <a:pPr algn="r"/>
-                      <a:r>
-                        <a:rPr lang="en-US" sz="800" dirty="0"/>
-                        <a:t>1.487,01</a:t>
-                      </a:r>
-                    </a:p>
-                  </a:txBody>
-                  <a:tcPr/>
-                </a:tc>
-                <a:tc>
-                  <a:txBody>
-                    <a:bodyPr/>
-                    <a:lstStyle/>
-                    <a:p>
-                      <a:r>
-                        <a:rPr lang="en-US" sz="800" dirty="0"/>
-                        <a:t>NULL</a:t>
-                      </a:r>
+                      <a:endParaRPr lang="en-US" sz="800" dirty="0"/>
+                    </a:p>
+                  </a:txBody>
+                  <a:tcPr/>
+                </a:tc>
+                <a:tc>
+                  <a:txBody>
+                    <a:bodyPr/>
+                    <a:lstStyle/>
+                    <a:p>
+                      <a:endParaRPr lang="en-US" sz="800" dirty="0"/>
                     </a:p>
                   </a:txBody>
                   <a:tcPr/>
